--- a/答辩ppt.pptx
+++ b/答辩ppt.pptx
@@ -6564,6 +6564,22 @@
         <p:txBody>
           <a:bodyPr wrap="square" rtlCol="0" anchor="t"/>
           <a:lstStyle/>
+          <a:p>
+            <a:pPr marL="0" indent="0">
+              <a:buNone/>
+            </a:pPr>
+            <a:r>
+              <a:rPr lang="zh-CN" altLang="en-US" sz="1200" dirty="0">
+                <a:latin typeface="宋体" panose="02010600030101010101" pitchFamily="2" charset="-122"/>
+                <a:ea typeface="宋体" panose="02010600030101010101" pitchFamily="2" charset="-122"/>
+              </a:rPr>
+              <a:t>答辩人：</a:t>
+            </a:r>
+            <a:endParaRPr lang="en-US" sz="1200" dirty="0">
+              <a:latin typeface="宋体" panose="02010600030101010101" pitchFamily="2" charset="-122"/>
+              <a:ea typeface="宋体" panose="02010600030101010101" pitchFamily="2" charset="-122"/>
+            </a:endParaRPr>
+          </a:p>
           <a:p>
             <a:pPr marL="0" indent="0">
               <a:buNone/>
